--- a/Practica Git y GitHub.pptx
+++ b/Practica Git y GitHub.pptx
@@ -18,6 +18,11 @@
     <p:sldId id="266" r:id="rId12"/>
     <p:sldId id="267" r:id="rId13"/>
     <p:sldId id="268" r:id="rId14"/>
+    <p:sldId id="269" r:id="rId15"/>
+    <p:sldId id="270" r:id="rId16"/>
+    <p:sldId id="271" r:id="rId17"/>
+    <p:sldId id="272" r:id="rId18"/>
+    <p:sldId id="273" r:id="rId19"/>
   </p:sldIdLst>
   <p:sldSz cx="12192000" cy="6858000"/>
   <p:notesSz cx="6858000" cy="9144000"/>
@@ -116,6 +121,11 @@
       </a:defRPr>
     </a:lvl9pPr>
   </p:defaultTextStyle>
+  <p:extLst>
+    <p:ext uri="{EFAFB233-063F-42B5-8137-9DF3F51BA10A}">
+      <p15:sldGuideLst xmlns:p15="http://schemas.microsoft.com/office/powerpoint/2012/main"/>
+    </p:ext>
+  </p:extLst>
 </p:presentation>
 </file>
 
@@ -6319,7 +6329,15 @@
           <a:bodyPr/>
           <a:lstStyle/>
           <a:p>
-            <a:endParaRPr lang="es-MX"/>
+            <a:r>
+              <a:rPr lang="es-MX" dirty="0"/>
+              <a:t>Git </a:t>
+            </a:r>
+            <a:r>
+              <a:rPr lang="es-MX" dirty="0" err="1"/>
+              <a:t>pull</a:t>
+            </a:r>
+            <a:endParaRPr lang="es-MX" dirty="0"/>
           </a:p>
         </p:txBody>
       </p:sp>
@@ -6344,14 +6362,663 @@
           <a:bodyPr/>
           <a:lstStyle/>
           <a:p>
-            <a:endParaRPr lang="es-MX"/>
-          </a:p>
-        </p:txBody>
-      </p:sp>
+            <a:r>
+              <a:rPr lang="es-MX" dirty="0"/>
+              <a:t>Extraer los cambios realizados por el equipo de trabajo</a:t>
+            </a:r>
+          </a:p>
+          <a:p>
+            <a:endParaRPr lang="es-MX" dirty="0"/>
+          </a:p>
+          <a:p>
+            <a:endParaRPr lang="es-MX" dirty="0"/>
+          </a:p>
+        </p:txBody>
+      </p:sp>
+      <p:pic>
+        <p:nvPicPr>
+          <p:cNvPr id="4" name="Imagen 3">
+            <a:extLst>
+              <a:ext uri="{FF2B5EF4-FFF2-40B4-BE49-F238E27FC236}">
+                <a16:creationId xmlns:a16="http://schemas.microsoft.com/office/drawing/2014/main" id="{7AD48CE5-082F-41FE-BF84-DB17972C3463}"/>
+              </a:ext>
+            </a:extLst>
+          </p:cNvPr>
+          <p:cNvPicPr>
+            <a:picLocks noChangeAspect="1"/>
+          </p:cNvPicPr>
+          <p:nvPr/>
+        </p:nvPicPr>
+        <p:blipFill>
+          <a:blip r:embed="rId2"/>
+          <a:stretch>
+            <a:fillRect/>
+          </a:stretch>
+        </p:blipFill>
+        <p:spPr>
+          <a:xfrm>
+            <a:off x="927273" y="2667131"/>
+            <a:ext cx="3795274" cy="889801"/>
+          </a:xfrm>
+          <a:prstGeom prst="rect">
+            <a:avLst/>
+          </a:prstGeom>
+        </p:spPr>
+      </p:pic>
     </p:spTree>
     <p:extLst>
       <p:ext uri="{BB962C8B-B14F-4D97-AF65-F5344CB8AC3E}">
         <p14:creationId xmlns:p14="http://schemas.microsoft.com/office/powerpoint/2010/main" val="309370658"/>
+      </p:ext>
+    </p:extLst>
+  </p:cSld>
+  <p:clrMapOvr>
+    <a:masterClrMapping/>
+  </p:clrMapOvr>
+</p:sld>
+</file>
+
+<file path=ppt/slides/slide14.xml><?xml version="1.0" encoding="utf-8"?>
+<p:sld xmlns:a="http://schemas.openxmlformats.org/drawingml/2006/main" xmlns:r="http://schemas.openxmlformats.org/officeDocument/2006/relationships" xmlns:p="http://schemas.openxmlformats.org/presentationml/2006/main">
+  <p:cSld>
+    <p:spTree>
+      <p:nvGrpSpPr>
+        <p:cNvPr id="1" name=""/>
+        <p:cNvGrpSpPr/>
+        <p:nvPr/>
+      </p:nvGrpSpPr>
+      <p:grpSpPr>
+        <a:xfrm>
+          <a:off x="0" y="0"/>
+          <a:ext cx="0" cy="0"/>
+          <a:chOff x="0" y="0"/>
+          <a:chExt cx="0" cy="0"/>
+        </a:xfrm>
+      </p:grpSpPr>
+      <p:sp>
+        <p:nvSpPr>
+          <p:cNvPr id="2" name="Título 1">
+            <a:extLst>
+              <a:ext uri="{FF2B5EF4-FFF2-40B4-BE49-F238E27FC236}">
+                <a16:creationId xmlns:a16="http://schemas.microsoft.com/office/drawing/2014/main" id="{410491A5-AAFA-49AA-B8E5-013800C971E4}"/>
+              </a:ext>
+            </a:extLst>
+          </p:cNvPr>
+          <p:cNvSpPr>
+            <a:spLocks noGrp="1"/>
+          </p:cNvSpPr>
+          <p:nvPr>
+            <p:ph type="title"/>
+          </p:nvPr>
+        </p:nvSpPr>
+        <p:spPr/>
+        <p:txBody>
+          <a:bodyPr/>
+          <a:lstStyle/>
+          <a:p>
+            <a:r>
+              <a:rPr lang="es-MX" dirty="0"/>
+              <a:t>Git Grep</a:t>
+            </a:r>
+          </a:p>
+        </p:txBody>
+      </p:sp>
+      <p:sp>
+        <p:nvSpPr>
+          <p:cNvPr id="3" name="Marcador de contenido 2">
+            <a:extLst>
+              <a:ext uri="{FF2B5EF4-FFF2-40B4-BE49-F238E27FC236}">
+                <a16:creationId xmlns:a16="http://schemas.microsoft.com/office/drawing/2014/main" id="{C954FEB5-14F2-40D0-B9FC-93B0E900C733}"/>
+              </a:ext>
+            </a:extLst>
+          </p:cNvPr>
+          <p:cNvSpPr>
+            <a:spLocks noGrp="1"/>
+          </p:cNvSpPr>
+          <p:nvPr>
+            <p:ph idx="1"/>
+          </p:nvPr>
+        </p:nvSpPr>
+        <p:spPr/>
+        <p:txBody>
+          <a:bodyPr/>
+          <a:lstStyle/>
+          <a:p>
+            <a:r>
+              <a:rPr lang="es-MX" dirty="0"/>
+              <a:t>Busca archivos y muestra el </a:t>
+            </a:r>
+            <a:r>
+              <a:rPr lang="es-MX" dirty="0" err="1"/>
+              <a:t>codigo</a:t>
+            </a:r>
+            <a:r>
+              <a:rPr lang="es-MX" dirty="0"/>
+              <a:t> </a:t>
+            </a:r>
+          </a:p>
+          <a:p>
+            <a:endParaRPr lang="es-MX" dirty="0"/>
+          </a:p>
+        </p:txBody>
+      </p:sp>
+      <p:pic>
+        <p:nvPicPr>
+          <p:cNvPr id="4" name="Imagen 3">
+            <a:extLst>
+              <a:ext uri="{FF2B5EF4-FFF2-40B4-BE49-F238E27FC236}">
+                <a16:creationId xmlns:a16="http://schemas.microsoft.com/office/drawing/2014/main" id="{88821F51-FDA2-4270-8A34-F5BAC4E69079}"/>
+              </a:ext>
+            </a:extLst>
+          </p:cNvPr>
+          <p:cNvPicPr>
+            <a:picLocks noChangeAspect="1"/>
+          </p:cNvPicPr>
+          <p:nvPr/>
+        </p:nvPicPr>
+        <p:blipFill>
+          <a:blip r:embed="rId2"/>
+          <a:stretch>
+            <a:fillRect/>
+          </a:stretch>
+        </p:blipFill>
+        <p:spPr>
+          <a:xfrm>
+            <a:off x="3290887" y="3019425"/>
+            <a:ext cx="5610225" cy="819150"/>
+          </a:xfrm>
+          <a:prstGeom prst="rect">
+            <a:avLst/>
+          </a:prstGeom>
+        </p:spPr>
+      </p:pic>
+    </p:spTree>
+    <p:extLst>
+      <p:ext uri="{BB962C8B-B14F-4D97-AF65-F5344CB8AC3E}">
+        <p14:creationId xmlns:p14="http://schemas.microsoft.com/office/powerpoint/2010/main" val="948497003"/>
+      </p:ext>
+    </p:extLst>
+  </p:cSld>
+  <p:clrMapOvr>
+    <a:masterClrMapping/>
+  </p:clrMapOvr>
+</p:sld>
+</file>
+
+<file path=ppt/slides/slide15.xml><?xml version="1.0" encoding="utf-8"?>
+<p:sld xmlns:a="http://schemas.openxmlformats.org/drawingml/2006/main" xmlns:r="http://schemas.openxmlformats.org/officeDocument/2006/relationships" xmlns:p="http://schemas.openxmlformats.org/presentationml/2006/main">
+  <p:cSld>
+    <p:spTree>
+      <p:nvGrpSpPr>
+        <p:cNvPr id="1" name=""/>
+        <p:cNvGrpSpPr/>
+        <p:nvPr/>
+      </p:nvGrpSpPr>
+      <p:grpSpPr>
+        <a:xfrm>
+          <a:off x="0" y="0"/>
+          <a:ext cx="0" cy="0"/>
+          <a:chOff x="0" y="0"/>
+          <a:chExt cx="0" cy="0"/>
+        </a:xfrm>
+      </p:grpSpPr>
+      <p:sp>
+        <p:nvSpPr>
+          <p:cNvPr id="2" name="Título 1">
+            <a:extLst>
+              <a:ext uri="{FF2B5EF4-FFF2-40B4-BE49-F238E27FC236}">
+                <a16:creationId xmlns:a16="http://schemas.microsoft.com/office/drawing/2014/main" id="{0314B135-34E8-4F1D-87C1-3D4DBB26CC4A}"/>
+              </a:ext>
+            </a:extLst>
+          </p:cNvPr>
+          <p:cNvSpPr>
+            <a:spLocks noGrp="1"/>
+          </p:cNvSpPr>
+          <p:nvPr>
+            <p:ph type="title"/>
+          </p:nvPr>
+        </p:nvSpPr>
+        <p:spPr/>
+        <p:txBody>
+          <a:bodyPr/>
+          <a:lstStyle/>
+          <a:p>
+            <a:r>
+              <a:rPr lang="es-MX" dirty="0"/>
+              <a:t>Git </a:t>
+            </a:r>
+            <a:r>
+              <a:rPr lang="es-MX" dirty="0" err="1"/>
+              <a:t>stach</a:t>
+            </a:r>
+            <a:r>
+              <a:rPr lang="es-MX" dirty="0"/>
+              <a:t>	</a:t>
+            </a:r>
+          </a:p>
+        </p:txBody>
+      </p:sp>
+      <p:sp>
+        <p:nvSpPr>
+          <p:cNvPr id="3" name="Marcador de contenido 2">
+            <a:extLst>
+              <a:ext uri="{FF2B5EF4-FFF2-40B4-BE49-F238E27FC236}">
+                <a16:creationId xmlns:a16="http://schemas.microsoft.com/office/drawing/2014/main" id="{031AC3F2-33A1-4D92-A394-804C9E780169}"/>
+              </a:ext>
+            </a:extLst>
+          </p:cNvPr>
+          <p:cNvSpPr>
+            <a:spLocks noGrp="1"/>
+          </p:cNvSpPr>
+          <p:nvPr>
+            <p:ph idx="1"/>
+          </p:nvPr>
+        </p:nvSpPr>
+        <p:spPr/>
+        <p:txBody>
+          <a:bodyPr/>
+          <a:lstStyle/>
+          <a:p>
+            <a:r>
+              <a:rPr lang="es-MX" dirty="0"/>
+              <a:t>Guarda cambios automáticamente en el </a:t>
+            </a:r>
+            <a:r>
+              <a:rPr lang="es-MX" dirty="0" err="1"/>
+              <a:t>commit</a:t>
+            </a:r>
+            <a:r>
+              <a:rPr lang="es-MX" dirty="0"/>
+              <a:t> anterior</a:t>
+            </a:r>
+          </a:p>
+          <a:p>
+            <a:endParaRPr lang="es-MX" dirty="0"/>
+          </a:p>
+        </p:txBody>
+      </p:sp>
+      <p:pic>
+        <p:nvPicPr>
+          <p:cNvPr id="4" name="Imagen 3">
+            <a:extLst>
+              <a:ext uri="{FF2B5EF4-FFF2-40B4-BE49-F238E27FC236}">
+                <a16:creationId xmlns:a16="http://schemas.microsoft.com/office/drawing/2014/main" id="{2C779E3E-1CFB-418D-AB60-B6C5B9CAECE7}"/>
+              </a:ext>
+            </a:extLst>
+          </p:cNvPr>
+          <p:cNvPicPr>
+            <a:picLocks noChangeAspect="1"/>
+          </p:cNvPicPr>
+          <p:nvPr/>
+        </p:nvPicPr>
+        <p:blipFill>
+          <a:blip r:embed="rId2"/>
+          <a:stretch>
+            <a:fillRect/>
+          </a:stretch>
+        </p:blipFill>
+        <p:spPr>
+          <a:xfrm>
+            <a:off x="1240522" y="2991287"/>
+            <a:ext cx="6019800" cy="2838450"/>
+          </a:xfrm>
+          <a:prstGeom prst="rect">
+            <a:avLst/>
+          </a:prstGeom>
+        </p:spPr>
+      </p:pic>
+    </p:spTree>
+    <p:extLst>
+      <p:ext uri="{BB962C8B-B14F-4D97-AF65-F5344CB8AC3E}">
+        <p14:creationId xmlns:p14="http://schemas.microsoft.com/office/powerpoint/2010/main" val="1026465177"/>
+      </p:ext>
+    </p:extLst>
+  </p:cSld>
+  <p:clrMapOvr>
+    <a:masterClrMapping/>
+  </p:clrMapOvr>
+</p:sld>
+</file>
+
+<file path=ppt/slides/slide16.xml><?xml version="1.0" encoding="utf-8"?>
+<p:sld xmlns:a="http://schemas.openxmlformats.org/drawingml/2006/main" xmlns:r="http://schemas.openxmlformats.org/officeDocument/2006/relationships" xmlns:p="http://schemas.openxmlformats.org/presentationml/2006/main">
+  <p:cSld>
+    <p:spTree>
+      <p:nvGrpSpPr>
+        <p:cNvPr id="1" name=""/>
+        <p:cNvGrpSpPr/>
+        <p:nvPr/>
+      </p:nvGrpSpPr>
+      <p:grpSpPr>
+        <a:xfrm>
+          <a:off x="0" y="0"/>
+          <a:ext cx="0" cy="0"/>
+          <a:chOff x="0" y="0"/>
+          <a:chExt cx="0" cy="0"/>
+        </a:xfrm>
+      </p:grpSpPr>
+      <p:sp>
+        <p:nvSpPr>
+          <p:cNvPr id="2" name="Título 1">
+            <a:extLst>
+              <a:ext uri="{FF2B5EF4-FFF2-40B4-BE49-F238E27FC236}">
+                <a16:creationId xmlns:a16="http://schemas.microsoft.com/office/drawing/2014/main" id="{F4D1B4FF-C71A-4F25-86C2-EF719D338EFA}"/>
+              </a:ext>
+            </a:extLst>
+          </p:cNvPr>
+          <p:cNvSpPr>
+            <a:spLocks noGrp="1"/>
+          </p:cNvSpPr>
+          <p:nvPr>
+            <p:ph type="title"/>
+          </p:nvPr>
+        </p:nvSpPr>
+        <p:spPr/>
+        <p:txBody>
+          <a:bodyPr/>
+          <a:lstStyle/>
+          <a:p>
+            <a:r>
+              <a:rPr lang="es-MX" dirty="0"/>
+              <a:t>Git </a:t>
+            </a:r>
+            <a:r>
+              <a:rPr lang="es-MX" dirty="0" err="1"/>
+              <a:t>rebace</a:t>
+            </a:r>
+            <a:endParaRPr lang="es-MX" dirty="0"/>
+          </a:p>
+        </p:txBody>
+      </p:sp>
+      <p:sp>
+        <p:nvSpPr>
+          <p:cNvPr id="3" name="Marcador de contenido 2">
+            <a:extLst>
+              <a:ext uri="{FF2B5EF4-FFF2-40B4-BE49-F238E27FC236}">
+                <a16:creationId xmlns:a16="http://schemas.microsoft.com/office/drawing/2014/main" id="{2BD72B79-83BD-4576-8A48-3354144F0493}"/>
+              </a:ext>
+            </a:extLst>
+          </p:cNvPr>
+          <p:cNvSpPr>
+            <a:spLocks noGrp="1"/>
+          </p:cNvSpPr>
+          <p:nvPr>
+            <p:ph idx="1"/>
+          </p:nvPr>
+        </p:nvSpPr>
+        <p:spPr/>
+        <p:txBody>
+          <a:bodyPr/>
+          <a:lstStyle/>
+          <a:p>
+            <a:r>
+              <a:rPr lang="es-MX" dirty="0"/>
+              <a:t>Mueve la totalidad de una rama a otro punto del árbol.</a:t>
+            </a:r>
+          </a:p>
+          <a:p>
+            <a:endParaRPr lang="es-MX" dirty="0"/>
+          </a:p>
+          <a:p>
+            <a:endParaRPr lang="es-MX" dirty="0"/>
+          </a:p>
+        </p:txBody>
+      </p:sp>
+      <p:pic>
+        <p:nvPicPr>
+          <p:cNvPr id="4" name="Imagen 3">
+            <a:extLst>
+              <a:ext uri="{FF2B5EF4-FFF2-40B4-BE49-F238E27FC236}">
+                <a16:creationId xmlns:a16="http://schemas.microsoft.com/office/drawing/2014/main" id="{66DB2E8D-EE4C-478B-9078-A4C11B9745DE}"/>
+              </a:ext>
+            </a:extLst>
+          </p:cNvPr>
+          <p:cNvPicPr>
+            <a:picLocks noChangeAspect="1"/>
+          </p:cNvPicPr>
+          <p:nvPr/>
+        </p:nvPicPr>
+        <p:blipFill>
+          <a:blip r:embed="rId2"/>
+          <a:stretch>
+            <a:fillRect/>
+          </a:stretch>
+        </p:blipFill>
+        <p:spPr>
+          <a:xfrm>
+            <a:off x="1052775" y="2963542"/>
+            <a:ext cx="6143625" cy="1685925"/>
+          </a:xfrm>
+          <a:prstGeom prst="rect">
+            <a:avLst/>
+          </a:prstGeom>
+        </p:spPr>
+      </p:pic>
+    </p:spTree>
+    <p:extLst>
+      <p:ext uri="{BB962C8B-B14F-4D97-AF65-F5344CB8AC3E}">
+        <p14:creationId xmlns:p14="http://schemas.microsoft.com/office/powerpoint/2010/main" val="1654198105"/>
+      </p:ext>
+    </p:extLst>
+  </p:cSld>
+  <p:clrMapOvr>
+    <a:masterClrMapping/>
+  </p:clrMapOvr>
+</p:sld>
+</file>
+
+<file path=ppt/slides/slide17.xml><?xml version="1.0" encoding="utf-8"?>
+<p:sld xmlns:a="http://schemas.openxmlformats.org/drawingml/2006/main" xmlns:r="http://schemas.openxmlformats.org/officeDocument/2006/relationships" xmlns:p="http://schemas.openxmlformats.org/presentationml/2006/main">
+  <p:cSld>
+    <p:spTree>
+      <p:nvGrpSpPr>
+        <p:cNvPr id="1" name=""/>
+        <p:cNvGrpSpPr/>
+        <p:nvPr/>
+      </p:nvGrpSpPr>
+      <p:grpSpPr>
+        <a:xfrm>
+          <a:off x="0" y="0"/>
+          <a:ext cx="0" cy="0"/>
+          <a:chOff x="0" y="0"/>
+          <a:chExt cx="0" cy="0"/>
+        </a:xfrm>
+      </p:grpSpPr>
+      <p:sp>
+        <p:nvSpPr>
+          <p:cNvPr id="2" name="Título 1">
+            <a:extLst>
+              <a:ext uri="{FF2B5EF4-FFF2-40B4-BE49-F238E27FC236}">
+                <a16:creationId xmlns:a16="http://schemas.microsoft.com/office/drawing/2014/main" id="{B67D46F0-86BD-47AB-8401-6D0125BEABA6}"/>
+              </a:ext>
+            </a:extLst>
+          </p:cNvPr>
+          <p:cNvSpPr>
+            <a:spLocks noGrp="1"/>
+          </p:cNvSpPr>
+          <p:nvPr>
+            <p:ph type="title"/>
+          </p:nvPr>
+        </p:nvSpPr>
+        <p:spPr/>
+        <p:txBody>
+          <a:bodyPr/>
+          <a:lstStyle/>
+          <a:p>
+            <a:r>
+              <a:rPr lang="es-MX" dirty="0"/>
+              <a:t>Git log</a:t>
+            </a:r>
+          </a:p>
+        </p:txBody>
+      </p:sp>
+      <p:sp>
+        <p:nvSpPr>
+          <p:cNvPr id="3" name="Marcador de contenido 2">
+            <a:extLst>
+              <a:ext uri="{FF2B5EF4-FFF2-40B4-BE49-F238E27FC236}">
+                <a16:creationId xmlns:a16="http://schemas.microsoft.com/office/drawing/2014/main" id="{0E1D6FBB-04F3-48F7-AC12-36FB9E12A1B2}"/>
+              </a:ext>
+            </a:extLst>
+          </p:cNvPr>
+          <p:cNvSpPr>
+            <a:spLocks noGrp="1"/>
+          </p:cNvSpPr>
+          <p:nvPr>
+            <p:ph idx="1"/>
+          </p:nvPr>
+        </p:nvSpPr>
+        <p:spPr/>
+        <p:txBody>
+          <a:bodyPr/>
+          <a:lstStyle/>
+          <a:p>
+            <a:r>
+              <a:rPr lang="es-MX" dirty="0"/>
+              <a:t>Muestra los </a:t>
+            </a:r>
+            <a:r>
+              <a:rPr lang="es-MX" dirty="0" err="1"/>
+              <a:t>commit</a:t>
+            </a:r>
+            <a:endParaRPr lang="es-MX" dirty="0"/>
+          </a:p>
+          <a:p>
+            <a:endParaRPr lang="es-MX" dirty="0"/>
+          </a:p>
+          <a:p>
+            <a:endParaRPr lang="es-MX" dirty="0"/>
+          </a:p>
+        </p:txBody>
+      </p:sp>
+      <p:pic>
+        <p:nvPicPr>
+          <p:cNvPr id="4" name="Imagen 3">
+            <a:extLst>
+              <a:ext uri="{FF2B5EF4-FFF2-40B4-BE49-F238E27FC236}">
+                <a16:creationId xmlns:a16="http://schemas.microsoft.com/office/drawing/2014/main" id="{1FBEEAB3-DF80-4F58-A11B-4D8ADE6A78C4}"/>
+              </a:ext>
+            </a:extLst>
+          </p:cNvPr>
+          <p:cNvPicPr>
+            <a:picLocks noChangeAspect="1"/>
+          </p:cNvPicPr>
+          <p:nvPr/>
+        </p:nvPicPr>
+        <p:blipFill>
+          <a:blip r:embed="rId2"/>
+          <a:stretch>
+            <a:fillRect/>
+          </a:stretch>
+        </p:blipFill>
+        <p:spPr>
+          <a:xfrm>
+            <a:off x="2672068" y="2548342"/>
+            <a:ext cx="5406530" cy="3723209"/>
+          </a:xfrm>
+          <a:prstGeom prst="rect">
+            <a:avLst/>
+          </a:prstGeom>
+        </p:spPr>
+      </p:pic>
+    </p:spTree>
+    <p:extLst>
+      <p:ext uri="{BB962C8B-B14F-4D97-AF65-F5344CB8AC3E}">
+        <p14:creationId xmlns:p14="http://schemas.microsoft.com/office/powerpoint/2010/main" val="2135266477"/>
+      </p:ext>
+    </p:extLst>
+  </p:cSld>
+  <p:clrMapOvr>
+    <a:masterClrMapping/>
+  </p:clrMapOvr>
+</p:sld>
+</file>
+
+<file path=ppt/slides/slide18.xml><?xml version="1.0" encoding="utf-8"?>
+<p:sld xmlns:a="http://schemas.openxmlformats.org/drawingml/2006/main" xmlns:r="http://schemas.openxmlformats.org/officeDocument/2006/relationships" xmlns:p="http://schemas.openxmlformats.org/presentationml/2006/main">
+  <p:cSld>
+    <p:spTree>
+      <p:nvGrpSpPr>
+        <p:cNvPr id="1" name=""/>
+        <p:cNvGrpSpPr/>
+        <p:nvPr/>
+      </p:nvGrpSpPr>
+      <p:grpSpPr>
+        <a:xfrm>
+          <a:off x="0" y="0"/>
+          <a:ext cx="0" cy="0"/>
+          <a:chOff x="0" y="0"/>
+          <a:chExt cx="0" cy="0"/>
+        </a:xfrm>
+      </p:grpSpPr>
+      <p:sp>
+        <p:nvSpPr>
+          <p:cNvPr id="2" name="Título 1">
+            <a:extLst>
+              <a:ext uri="{FF2B5EF4-FFF2-40B4-BE49-F238E27FC236}">
+                <a16:creationId xmlns:a16="http://schemas.microsoft.com/office/drawing/2014/main" id="{88006C94-F0EC-4AFF-9BFD-B5186CF6D711}"/>
+              </a:ext>
+            </a:extLst>
+          </p:cNvPr>
+          <p:cNvSpPr>
+            <a:spLocks noGrp="1"/>
+          </p:cNvSpPr>
+          <p:nvPr>
+            <p:ph type="title"/>
+          </p:nvPr>
+        </p:nvSpPr>
+        <p:spPr/>
+        <p:txBody>
+          <a:bodyPr/>
+          <a:lstStyle/>
+          <a:p>
+            <a:r>
+              <a:rPr lang="es-MX" dirty="0" err="1"/>
+              <a:t>git</a:t>
+            </a:r>
+            <a:r>
+              <a:rPr lang="es-MX" dirty="0"/>
+              <a:t> cherry-pick </a:t>
+            </a:r>
+          </a:p>
+        </p:txBody>
+      </p:sp>
+      <p:pic>
+        <p:nvPicPr>
+          <p:cNvPr id="4" name="Marcador de contenido 3">
+            <a:extLst>
+              <a:ext uri="{FF2B5EF4-FFF2-40B4-BE49-F238E27FC236}">
+                <a16:creationId xmlns:a16="http://schemas.microsoft.com/office/drawing/2014/main" id="{82A10EDF-A694-4F30-88B6-AB26FD5EA869}"/>
+              </a:ext>
+            </a:extLst>
+          </p:cNvPr>
+          <p:cNvPicPr>
+            <a:picLocks noGrp="1" noChangeAspect="1"/>
+          </p:cNvPicPr>
+          <p:nvPr>
+            <p:ph idx="1"/>
+          </p:nvPr>
+        </p:nvPicPr>
+        <p:blipFill>
+          <a:blip r:embed="rId2"/>
+          <a:stretch>
+            <a:fillRect/>
+          </a:stretch>
+        </p:blipFill>
+        <p:spPr>
+          <a:xfrm>
+            <a:off x="1970881" y="2815431"/>
+            <a:ext cx="6010275" cy="2571750"/>
+          </a:xfrm>
+          <a:prstGeom prst="rect">
+            <a:avLst/>
+          </a:prstGeom>
+        </p:spPr>
+      </p:pic>
+    </p:spTree>
+    <p:extLst>
+      <p:ext uri="{BB962C8B-B14F-4D97-AF65-F5344CB8AC3E}">
+        <p14:creationId xmlns:p14="http://schemas.microsoft.com/office/powerpoint/2010/main" val="4286616988"/>
       </p:ext>
     </p:extLst>
   </p:cSld>
